--- a/project-0613-master/PPT 준비.pptx
+++ b/project-0613-master/PPT 준비.pptx
@@ -9560,7 +9560,7 @@
         </p:nvGraphicFramePr>
         <p:xfrm>
           <a:off x="656705" y="1021137"/>
-          <a:ext cx="5025803" cy="3661728"/>
+          <a:ext cx="5025803" cy="3749040"/>
         </p:xfrm>
         <a:graphic>
           <a:graphicData uri="http://schemas.openxmlformats.org/drawingml/2006/table">
@@ -9993,7 +9993,9 @@
           </a:xfrm>
         </p:spPr>
         <p:txBody>
-          <a:bodyPr rtlCol="0"/>
+          <a:bodyPr rtlCol="0">
+            <a:normAutofit fontScale="92500" lnSpcReduction="10000"/>
+          </a:bodyPr>
           <a:lstStyle/>
           <a:p>
             <a:r>
@@ -10332,7 +10334,54 @@
                 <a:ea typeface="Malgun Gothic" panose="020B0503020000020004" pitchFamily="50" charset="-127"/>
                 <a:sym typeface="Malgun Gothic" panose="020B0503020000020004" pitchFamily="50" charset="-127"/>
               </a:rPr>
-              <a:t>계속 겹침 문제 해결 시도</a:t>
+              <a:t>계속 겹침 문제 해결 </a:t>
+            </a:r>
+            <a:r>
+              <a:rPr lang="ko-KR" altLang="en-US" dirty="0" smtClean="0">
+                <a:latin typeface="Malgun Gothic" panose="020B0503020000020004" pitchFamily="50" charset="-127"/>
+                <a:ea typeface="Malgun Gothic" panose="020B0503020000020004" pitchFamily="50" charset="-127"/>
+                <a:sym typeface="Malgun Gothic" panose="020B0503020000020004" pitchFamily="50" charset="-127"/>
+              </a:rPr>
+              <a:t>시도</a:t>
+            </a:r>
+            <a:endParaRPr lang="en-US" altLang="ko-KR" dirty="0" smtClean="0">
+              <a:latin typeface="Malgun Gothic" panose="020B0503020000020004" pitchFamily="50" charset="-127"/>
+              <a:ea typeface="Malgun Gothic" panose="020B0503020000020004" pitchFamily="50" charset="-127"/>
+              <a:sym typeface="Malgun Gothic" panose="020B0503020000020004" pitchFamily="50" charset="-127"/>
+            </a:endParaRPr>
+          </a:p>
+          <a:p>
+            <a:r>
+              <a:rPr lang="en-US" altLang="ko-KR" dirty="0" smtClean="0">
+                <a:latin typeface="Malgun Gothic" panose="020B0503020000020004" pitchFamily="50" charset="-127"/>
+                <a:ea typeface="Malgun Gothic" panose="020B0503020000020004" pitchFamily="50" charset="-127"/>
+                <a:sym typeface="Malgun Gothic" panose="020B0503020000020004" pitchFamily="50" charset="-127"/>
+              </a:rPr>
+              <a:t>5</a:t>
+            </a:r>
+            <a:r>
+              <a:rPr lang="ko-KR" altLang="en-US" dirty="0" smtClean="0">
+                <a:latin typeface="Malgun Gothic" panose="020B0503020000020004" pitchFamily="50" charset="-127"/>
+                <a:ea typeface="Malgun Gothic" panose="020B0503020000020004" pitchFamily="50" charset="-127"/>
+                <a:sym typeface="Malgun Gothic" panose="020B0503020000020004" pitchFamily="50" charset="-127"/>
+              </a:rPr>
+              <a:t>일차 </a:t>
+            </a:r>
+            <a:r>
+              <a:rPr lang="en-US" altLang="ko-KR" dirty="0" smtClean="0">
+                <a:latin typeface="Malgun Gothic" panose="020B0503020000020004" pitchFamily="50" charset="-127"/>
+                <a:ea typeface="Malgun Gothic" panose="020B0503020000020004" pitchFamily="50" charset="-127"/>
+                <a:sym typeface="Malgun Gothic" panose="020B0503020000020004" pitchFamily="50" charset="-127"/>
+              </a:rPr>
+              <a:t>–</a:t>
+            </a:r>
+            <a:r>
+              <a:rPr lang="ko-KR" altLang="en-US" dirty="0" smtClean="0">
+                <a:latin typeface="Malgun Gothic" panose="020B0503020000020004" pitchFamily="50" charset="-127"/>
+                <a:ea typeface="Malgun Gothic" panose="020B0503020000020004" pitchFamily="50" charset="-127"/>
+                <a:sym typeface="Malgun Gothic" panose="020B0503020000020004" pitchFamily="50" charset="-127"/>
+              </a:rPr>
+              <a:t>최종 점검 밑 오류 해결 시도</a:t>
             </a:r>
             <a:endParaRPr lang="en-US" altLang="ko-KR" dirty="0" smtClean="0">
               <a:latin typeface="Malgun Gothic" panose="020B0503020000020004" pitchFamily="50" charset="-127"/>
@@ -11553,76 +11602,6 @@
           </a:p>
         </p:txBody>
       </p:sp>
-      <p:cxnSp>
-        <p:nvCxnSpPr>
-          <p:cNvPr id="13" name="직선 연결선 12"/>
-          <p:cNvCxnSpPr/>
-          <p:nvPr/>
-        </p:nvCxnSpPr>
-        <p:spPr>
-          <a:xfrm>
-            <a:off x="5550070" y="4142688"/>
-            <a:ext cx="321410" cy="345368"/>
-          </a:xfrm>
-          <a:prstGeom prst="line">
-            <a:avLst/>
-          </a:prstGeom>
-          <a:ln w="57150">
-            <a:solidFill>
-              <a:srgbClr val="FF0000"/>
-            </a:solidFill>
-          </a:ln>
-        </p:spPr>
-        <p:style>
-          <a:lnRef idx="1">
-            <a:schemeClr val="accent1"/>
-          </a:lnRef>
-          <a:fillRef idx="0">
-            <a:schemeClr val="accent1"/>
-          </a:fillRef>
-          <a:effectRef idx="0">
-            <a:schemeClr val="accent1"/>
-          </a:effectRef>
-          <a:fontRef idx="minor">
-            <a:schemeClr val="tx1"/>
-          </a:fontRef>
-        </p:style>
-      </p:cxnSp>
-      <p:cxnSp>
-        <p:nvCxnSpPr>
-          <p:cNvPr id="16" name="직선 연결선 15"/>
-          <p:cNvCxnSpPr/>
-          <p:nvPr/>
-        </p:nvCxnSpPr>
-        <p:spPr>
-          <a:xfrm flipH="1">
-            <a:off x="5540365" y="4142688"/>
-            <a:ext cx="331115" cy="322124"/>
-          </a:xfrm>
-          <a:prstGeom prst="line">
-            <a:avLst/>
-          </a:prstGeom>
-          <a:ln w="57150">
-            <a:solidFill>
-              <a:srgbClr val="FF0000"/>
-            </a:solidFill>
-          </a:ln>
-        </p:spPr>
-        <p:style>
-          <a:lnRef idx="1">
-            <a:schemeClr val="accent1"/>
-          </a:lnRef>
-          <a:fillRef idx="0">
-            <a:schemeClr val="accent1"/>
-          </a:fillRef>
-          <a:effectRef idx="0">
-            <a:schemeClr val="accent1"/>
-          </a:effectRef>
-          <a:fontRef idx="minor">
-            <a:schemeClr val="tx1"/>
-          </a:fontRef>
-        </p:style>
-      </p:cxnSp>
       <p:sp>
         <p:nvSpPr>
           <p:cNvPr id="18" name="이등변 삼각형 17"/>
@@ -11631,7 +11610,7 @@
         </p:nvSpPr>
         <p:spPr>
           <a:xfrm>
-            <a:off x="5498775" y="4748848"/>
+            <a:off x="5521681" y="4143058"/>
             <a:ext cx="453137" cy="349134"/>
           </a:xfrm>
           <a:prstGeom prst="triangle">
@@ -11669,76 +11648,98 @@
           </a:p>
         </p:txBody>
       </p:sp>
-      <p:cxnSp>
-        <p:nvCxnSpPr>
-          <p:cNvPr id="22" name="직선 연결선 21"/>
-          <p:cNvCxnSpPr/>
+      <p:sp>
+        <p:nvSpPr>
+          <p:cNvPr id="14" name="이등변 삼각형 13"/>
+          <p:cNvSpPr/>
           <p:nvPr/>
-        </p:nvCxnSpPr>
+        </p:nvSpPr>
         <p:spPr>
-          <a:xfrm flipH="1">
-            <a:off x="5533216" y="3522104"/>
-            <a:ext cx="331115" cy="322124"/>
+          <a:xfrm>
+            <a:off x="5551226" y="4777995"/>
+            <a:ext cx="453137" cy="349134"/>
           </a:xfrm>
-          <a:prstGeom prst="line">
+          <a:prstGeom prst="triangle">
             <a:avLst/>
           </a:prstGeom>
-          <a:ln w="57150">
+          <a:noFill/>
+          <a:ln w="38100">
             <a:solidFill>
               <a:srgbClr val="FF0000"/>
             </a:solidFill>
           </a:ln>
         </p:spPr>
         <p:style>
-          <a:lnRef idx="1">
-            <a:schemeClr val="accent1"/>
+          <a:lnRef idx="2">
+            <a:schemeClr val="accent1">
+              <a:shade val="50000"/>
+            </a:schemeClr>
           </a:lnRef>
-          <a:fillRef idx="0">
+          <a:fillRef idx="1">
             <a:schemeClr val="accent1"/>
           </a:fillRef>
           <a:effectRef idx="0">
             <a:schemeClr val="accent1"/>
           </a:effectRef>
           <a:fontRef idx="minor">
-            <a:schemeClr val="tx1"/>
+            <a:schemeClr val="lt1"/>
           </a:fontRef>
         </p:style>
-      </p:cxnSp>
-      <p:cxnSp>
-        <p:nvCxnSpPr>
-          <p:cNvPr id="23" name="직선 연결선 22"/>
-          <p:cNvCxnSpPr/>
+        <p:txBody>
+          <a:bodyPr rtlCol="0" anchor="ctr"/>
+          <a:lstStyle/>
+          <a:p>
+            <a:pPr algn="ctr"/>
+            <a:endParaRPr lang="ko-KR" altLang="en-US"/>
+          </a:p>
+        </p:txBody>
+      </p:sp>
+      <p:sp>
+        <p:nvSpPr>
+          <p:cNvPr id="15" name="이등변 삼각형 14"/>
+          <p:cNvSpPr/>
           <p:nvPr/>
-        </p:nvCxnSpPr>
+        </p:nvSpPr>
         <p:spPr>
           <a:xfrm>
-            <a:off x="5565212" y="3511887"/>
-            <a:ext cx="321410" cy="345368"/>
+            <a:off x="5499347" y="3537303"/>
+            <a:ext cx="453137" cy="349134"/>
           </a:xfrm>
-          <a:prstGeom prst="line">
+          <a:prstGeom prst="triangle">
             <a:avLst/>
           </a:prstGeom>
-          <a:ln w="57150">
+          <a:noFill/>
+          <a:ln w="38100">
             <a:solidFill>
               <a:srgbClr val="FF0000"/>
             </a:solidFill>
           </a:ln>
         </p:spPr>
         <p:style>
-          <a:lnRef idx="1">
-            <a:schemeClr val="accent1"/>
+          <a:lnRef idx="2">
+            <a:schemeClr val="accent1">
+              <a:shade val="50000"/>
+            </a:schemeClr>
           </a:lnRef>
-          <a:fillRef idx="0">
+          <a:fillRef idx="1">
             <a:schemeClr val="accent1"/>
           </a:fillRef>
           <a:effectRef idx="0">
             <a:schemeClr val="accent1"/>
           </a:effectRef>
           <a:fontRef idx="minor">
-            <a:schemeClr val="tx1"/>
+            <a:schemeClr val="lt1"/>
           </a:fontRef>
         </p:style>
-      </p:cxnSp>
+        <p:txBody>
+          <a:bodyPr rtlCol="0" anchor="ctr"/>
+          <a:lstStyle/>
+          <a:p>
+            <a:pPr algn="ctr"/>
+            <a:endParaRPr lang="ko-KR" altLang="en-US"/>
+          </a:p>
+        </p:txBody>
+      </p:sp>
     </p:spTree>
     <p:extLst>
       <p:ext uri="{BB962C8B-B14F-4D97-AF65-F5344CB8AC3E}">
